--- a/backend/output/output.pptx
+++ b/backend/output/output.pptx
@@ -3125,9 +3125,210 @@
           <a:lstStyle/>
           <a:p>
             <a:r>
-              <a:t>Summarization error: module 'google.generativeai' has no attribute 'GenerativeModel'</a:t>
-            </a:r>
-          </a:p>
+              <a:t>This is a good start to a certificate! Here are a few ways to improve the formatting and wording for a more professional look:</a:t>
+            </a:r>
+          </a:p>
+          <a:p/>
+          <a:p>
+            <a:r>
+              <a:t>**Option 1 (More Formal):**</a:t>
+            </a:r>
+          </a:p>
+          <a:p/>
+          <a:p>
+            <a:r>
+              <a:t>```</a:t>
+            </a:r>
+          </a:p>
+          <a:p>
+            <a:r>
+              <a:t>C.ID: 8efc1d7</a:t>
+            </a:r>
+          </a:p>
+          <a:p/>
+          <a:p>
+            <a:r>
+              <a:t>**CERTIFICATE OF COMPLETION**</a:t>
+            </a:r>
+          </a:p>
+          <a:p/>
+          <a:p>
+            <a:r>
+              <a:t>**Proudly Presented to**</a:t>
+            </a:r>
+          </a:p>
+          <a:p/>
+          <a:p>
+            <a:r>
+              <a:t>RAVI SAH</a:t>
+            </a:r>
+          </a:p>
+          <a:p/>
+          <a:p>
+            <a:r>
+              <a:t>for successfully completing a four-week virtual internship program in C++ Programming.  Ravi demonstrated wonderful skills and made invaluable contributions to assigned tasks and projects.</a:t>
+            </a:r>
+          </a:p>
+          <a:p/>
+          <a:p>
+            <a:r>
+              <a:t>**Program Dates:** January 25, 2024 – February 25, 2024</a:t>
+            </a:r>
+          </a:p>
+          <a:p/>
+          <a:p>
+            <a:r>
+              <a:t>**CODSOFT**</a:t>
+            </a:r>
+          </a:p>
+          <a:p>
+            <a:r>
+              <a:t>ISO 9001-2015 Certified</a:t>
+            </a:r>
+          </a:p>
+          <a:p/>
+          <a:p>
+            <a:r>
+              <a:t>www.codsoft.in</a:t>
+            </a:r>
+          </a:p>
+          <a:p>
+            <a:r>
+              <a:t>contact@codsoft.in</a:t>
+            </a:r>
+          </a:p>
+          <a:p/>
+          <a:p>
+            <a:r>
+              <a:t>Date: February 28, 2024</a:t>
+            </a:r>
+          </a:p>
+          <a:p>
+            <a:r>
+              <a:t>```</a:t>
+            </a:r>
+          </a:p>
+          <a:p/>
+          <a:p>
+            <a:r>
+              <a:t>**Option 2 (Slightly Less Formal):**</a:t>
+            </a:r>
+          </a:p>
+          <a:p/>
+          <a:p>
+            <a:r>
+              <a:t>```</a:t>
+            </a:r>
+          </a:p>
+          <a:p>
+            <a:r>
+              <a:t>C.ID: 8efc1d7</a:t>
+            </a:r>
+          </a:p>
+          <a:p/>
+          <a:p>
+            <a:r>
+              <a:t>**CERTIFICATE OF COMPLETION**</a:t>
+            </a:r>
+          </a:p>
+          <a:p/>
+          <a:p>
+            <a:r>
+              <a:t>This certificate is awarded to</a:t>
+            </a:r>
+          </a:p>
+          <a:p/>
+          <a:p>
+            <a:r>
+              <a:t>**RAVI SAH**</a:t>
+            </a:r>
+          </a:p>
+          <a:p/>
+          <a:p>
+            <a:r>
+              <a:t>in recognition of successful completion of a four-week virtual internship in C++ Programming at CODSOFT.  Ravi's contributions and skills were truly impressive.</a:t>
+            </a:r>
+          </a:p>
+          <a:p/>
+          <a:p>
+            <a:r>
+              <a:t>**Program Dates:** January 25, 2024 – February 25, 2024</a:t>
+            </a:r>
+          </a:p>
+          <a:p/>
+          <a:p>
+            <a:r>
+              <a:t>**CODSOFT**</a:t>
+            </a:r>
+          </a:p>
+          <a:p>
+            <a:r>
+              <a:t>ISO 9001-2015 Certified</a:t>
+            </a:r>
+          </a:p>
+          <a:p/>
+          <a:p>
+            <a:r>
+              <a:t>www.codsoft.in</a:t>
+            </a:r>
+          </a:p>
+          <a:p>
+            <a:r>
+              <a:t>contact@codsoft.in</a:t>
+            </a:r>
+          </a:p>
+          <a:p/>
+          <a:p>
+            <a:r>
+              <a:t>Date: February 28, 2024</a:t>
+            </a:r>
+          </a:p>
+          <a:p>
+            <a:r>
+              <a:t>```</a:t>
+            </a:r>
+          </a:p>
+          <a:p/>
+          <a:p/>
+          <a:p>
+            <a:r>
+              <a:t>**Key improvements:**</a:t>
+            </a:r>
+          </a:p>
+          <a:p/>
+          <a:p>
+            <a:r>
+              <a:t>* **Bolding and Formatting:**  Using bold text for key elements like the title and name makes it easier to read.  Proper line breaks improve readability.</a:t>
+            </a:r>
+          </a:p>
+          <a:p>
+            <a:r>
+              <a:t>* **Sentence Structure:** The sentences have been restructured for better flow and grammar.  Replacing "his/her" with "Ravi's" avoids gendered language.</a:t>
+            </a:r>
+          </a:p>
+          <a:p>
+            <a:r>
+              <a:t>* **Date Format:** Using the month name instead of numbers (e.g., January 25, 2024) is generally preferred in formal documents.</a:t>
+            </a:r>
+          </a:p>
+          <a:p>
+            <a:r>
+              <a:t>* **Conciseness:** The wording is slightly more concise and impactful.</a:t>
+            </a:r>
+          </a:p>
+          <a:p>
+            <a:r>
+              <a:t>* **"Four-week" instead of "4 weeks":**  Writing it out is more formal.</a:t>
+            </a:r>
+          </a:p>
+          <a:p/>
+          <a:p/>
+          <a:p>
+            <a:r>
+              <a:t>Remember to choose the option that best suits the overall tone and style of CODSOFT's certificates.  You might also want to consider adding a logo for CODSOFT.</a:t>
+            </a:r>
+          </a:p>
+          <a:p/>
         </p:txBody>
       </p:sp>
     </p:spTree>

--- a/backend/output/output.pptx
+++ b/backend/output/output.pptx
@@ -6,6 +6,25 @@
   </p:sldMasterIdLst>
   <p:sldIdLst>
     <p:sldId id="256" r:id="rId7"/>
+    <p:sldId id="257" r:id="rId8"/>
+    <p:sldId id="258" r:id="rId9"/>
+    <p:sldId id="259" r:id="rId10"/>
+    <p:sldId id="260" r:id="rId11"/>
+    <p:sldId id="261" r:id="rId12"/>
+    <p:sldId id="262" r:id="rId13"/>
+    <p:sldId id="263" r:id="rId14"/>
+    <p:sldId id="264" r:id="rId15"/>
+    <p:sldId id="265" r:id="rId16"/>
+    <p:sldId id="266" r:id="rId17"/>
+    <p:sldId id="267" r:id="rId18"/>
+    <p:sldId id="268" r:id="rId19"/>
+    <p:sldId id="269" r:id="rId20"/>
+    <p:sldId id="270" r:id="rId21"/>
+    <p:sldId id="271" r:id="rId22"/>
+    <p:sldId id="272" r:id="rId23"/>
+    <p:sldId id="273" r:id="rId24"/>
+    <p:sldId id="274" r:id="rId25"/>
+    <p:sldId id="275" r:id="rId26"/>
   </p:sldIdLst>
   <p:sldSz cx="9144000" cy="6858000" type="screen4x3"/>
   <p:notesSz cx="6858000" cy="9144000"/>
@@ -3102,233 +3121,1617 @@
         <p:txBody>
           <a:bodyPr/>
           <a:lstStyle/>
-          <a:p>
-            <a:r>
-              <a:t>Summary</a:t>
-            </a:r>
-          </a:p>
-        </p:txBody>
-      </p:sp>
-      <p:sp>
-        <p:nvSpPr>
-          <p:cNvPr id="3" name="Content Placeholder 2"/>
-          <p:cNvSpPr>
-            <a:spLocks noGrp="1"/>
-          </p:cNvSpPr>
-          <p:nvPr>
-            <p:ph idx="1"/>
-          </p:nvPr>
-        </p:nvSpPr>
-        <p:spPr/>
-        <p:txBody>
-          <a:bodyPr/>
-          <a:lstStyle/>
-          <a:p>
-            <a:r>
-              <a:t>This is a good start to a certificate! Here are a few ways to improve the formatting and wording for a more professional look:</a:t>
-            </a:r>
-          </a:p>
           <a:p/>
-          <a:p>
-            <a:r>
-              <a:t>**Option 1 (More Formal):**</a:t>
-            </a:r>
-          </a:p>
+        </p:txBody>
+      </p:sp>
+      <p:sp>
+        <p:nvSpPr>
+          <p:cNvPr id="3" name="TextBox 2"/>
+          <p:cNvSpPr txBox="1"/>
+          <p:nvPr/>
+        </p:nvSpPr>
+        <p:spPr>
+          <a:xfrm>
+            <a:off x="457200" y="914400"/>
+            <a:ext cx="8229600" cy="5486400"/>
+          </a:xfrm>
+          <a:prstGeom prst="rect">
+            <a:avLst/>
+          </a:prstGeom>
+          <a:noFill/>
+        </p:spPr>
+        <p:txBody>
+          <a:bodyPr wrap="square">
+            <a:spAutoFit/>
+          </a:bodyPr>
+          <a:lstStyle/>
           <a:p/>
           <a:p>
+            <a:pPr>
+              <a:defRPr sz="2400"/>
+            </a:pPr>
+            <a:r>
+              <a:t>This code contains multiple programming problems and their solutions in C and C++.  Let's analyze them individually.  I'll point out potential issues, inefficiencies, and areas for improvement.</a:t>
+            </a:r>
+            <a:br/>
+            <a:br/>
+            <a:r>
+              <a:t>**SESSION 1: Searching**</a:t>
+            </a:r>
+            <a:br/>
+            <a:br/>
+            <a:r>
+              <a:t>* **Dreamplay likes the string... (LVL 3):** This code counts the number of ste</a:t>
+            </a:r>
+          </a:p>
+        </p:txBody>
+      </p:sp>
+    </p:spTree>
+  </p:cSld>
+  <p:clrMapOvr>
+    <a:masterClrMapping/>
+  </p:clrMapOvr>
+</p:sld>
+</file>
+
+<file path=ppt/slides/slide10.xml><?xml version="1.0" encoding="utf-8"?>
+<p:sld xmlns:a="http://schemas.openxmlformats.org/drawingml/2006/main" xmlns:p="http://schemas.openxmlformats.org/presentationml/2006/main" xmlns:r="http://schemas.openxmlformats.org/officeDocument/2006/relationships">
+  <p:cSld>
+    <p:spTree>
+      <p:nvGrpSpPr>
+        <p:cNvPr id="1" name=""/>
+        <p:cNvGrpSpPr/>
+        <p:nvPr/>
+      </p:nvGrpSpPr>
+      <p:grpSpPr/>
+      <p:sp>
+        <p:nvSpPr>
+          <p:cNvPr id="2" name="Title 1"/>
+          <p:cNvSpPr>
+            <a:spLocks noGrp="1"/>
+          </p:cNvSpPr>
+          <p:nvPr>
+            <p:ph type="title"/>
+          </p:nvPr>
+        </p:nvSpPr>
+        <p:spPr/>
+        <p:txBody>
+          <a:bodyPr/>
+          <a:lstStyle/>
+          <a:p/>
+        </p:txBody>
+      </p:sp>
+      <p:sp>
+        <p:nvSpPr>
+          <p:cNvPr id="3" name="TextBox 2"/>
+          <p:cNvSpPr txBox="1"/>
+          <p:nvPr/>
+        </p:nvSpPr>
+        <p:spPr>
+          <a:xfrm>
+            <a:off x="457200" y="914400"/>
+            <a:ext cx="8229600" cy="5486400"/>
+          </a:xfrm>
+          <a:prstGeom prst="rect">
+            <a:avLst/>
+          </a:prstGeom>
+          <a:noFill/>
+        </p:spPr>
+        <p:txBody>
+          <a:bodyPr wrap="square">
+            <a:spAutoFit/>
+          </a:bodyPr>
+          <a:lstStyle/>
+          <a:p/>
+          <a:p>
+            <a:pPr>
+              <a:defRPr sz="2400"/>
+            </a:pPr>
+            <a:r>
+              <a:t>remove.  Memory management (`malloc`) needs careful consideration.  Error handling (e.g., for `malloc` failures) is missing.</a:t>
+            </a:r>
+            <a:br/>
+            <a:br/>
+            <a:br/>
+            <a:r>
+              <a:t>* **Karter wants to celebrate (LVL 2):** This code finds the maximum sum of values within a sliding window of a sorted array where the difference in keys is at least `d`. It</a:t>
+            </a:r>
+          </a:p>
+        </p:txBody>
+      </p:sp>
+    </p:spTree>
+  </p:cSld>
+  <p:clrMapOvr>
+    <a:masterClrMapping/>
+  </p:clrMapOvr>
+</p:sld>
+</file>
+
+<file path=ppt/slides/slide11.xml><?xml version="1.0" encoding="utf-8"?>
+<p:sld xmlns:a="http://schemas.openxmlformats.org/drawingml/2006/main" xmlns:p="http://schemas.openxmlformats.org/presentationml/2006/main" xmlns:r="http://schemas.openxmlformats.org/officeDocument/2006/relationships">
+  <p:cSld>
+    <p:spTree>
+      <p:nvGrpSpPr>
+        <p:cNvPr id="1" name=""/>
+        <p:cNvGrpSpPr/>
+        <p:nvPr/>
+      </p:nvGrpSpPr>
+      <p:grpSpPr/>
+      <p:sp>
+        <p:nvSpPr>
+          <p:cNvPr id="2" name="Title 1"/>
+          <p:cNvSpPr>
+            <a:spLocks noGrp="1"/>
+          </p:cNvSpPr>
+          <p:nvPr>
+            <p:ph type="title"/>
+          </p:nvPr>
+        </p:nvSpPr>
+        <p:spPr/>
+        <p:txBody>
+          <a:bodyPr/>
+          <a:lstStyle/>
+          <a:p/>
+        </p:txBody>
+      </p:sp>
+      <p:sp>
+        <p:nvSpPr>
+          <p:cNvPr id="3" name="TextBox 2"/>
+          <p:cNvSpPr txBox="1"/>
+          <p:nvPr/>
+        </p:nvSpPr>
+        <p:spPr>
+          <a:xfrm>
+            <a:off x="457200" y="914400"/>
+            <a:ext cx="8229600" cy="5486400"/>
+          </a:xfrm>
+          <a:prstGeom prst="rect">
+            <a:avLst/>
+          </a:prstGeom>
+          <a:noFill/>
+        </p:spPr>
+        <p:txBody>
+          <a:bodyPr wrap="square">
+            <a:spAutoFit/>
+          </a:bodyPr>
+          <a:lstStyle/>
+          <a:p/>
+          <a:p>
+            <a:pPr>
+              <a:defRPr sz="2400"/>
+            </a:pPr>
+            <a:r>
+              <a:t>'s efficient and correctly uses a sliding window approach.</a:t>
+            </a:r>
+            <a:br/>
+            <a:br/>
+            <a:br/>
+            <a:r>
+              <a:t>* **All Road of wonderland land (LVL 3):** This code finds the minimum number of edges to remove from a minimum spanning tree (MST) to satisfy a weight constraint (`k`).  It uses Kruskal's algorithm to find the MST, then iteratively remove</a:t>
+            </a:r>
+          </a:p>
+        </p:txBody>
+      </p:sp>
+    </p:spTree>
+  </p:cSld>
+  <p:clrMapOvr>
+    <a:masterClrMapping/>
+  </p:clrMapOvr>
+</p:sld>
+</file>
+
+<file path=ppt/slides/slide12.xml><?xml version="1.0" encoding="utf-8"?>
+<p:sld xmlns:a="http://schemas.openxmlformats.org/drawingml/2006/main" xmlns:p="http://schemas.openxmlformats.org/presentationml/2006/main" xmlns:r="http://schemas.openxmlformats.org/officeDocument/2006/relationships">
+  <p:cSld>
+    <p:spTree>
+      <p:nvGrpSpPr>
+        <p:cNvPr id="1" name=""/>
+        <p:cNvGrpSpPr/>
+        <p:nvPr/>
+      </p:nvGrpSpPr>
+      <p:grpSpPr/>
+      <p:sp>
+        <p:nvSpPr>
+          <p:cNvPr id="2" name="Title 1"/>
+          <p:cNvSpPr>
+            <a:spLocks noGrp="1"/>
+          </p:cNvSpPr>
+          <p:nvPr>
+            <p:ph type="title"/>
+          </p:nvPr>
+        </p:nvSpPr>
+        <p:spPr/>
+        <p:txBody>
+          <a:bodyPr/>
+          <a:lstStyle/>
+          <a:p/>
+        </p:txBody>
+      </p:sp>
+      <p:sp>
+        <p:nvSpPr>
+          <p:cNvPr id="3" name="TextBox 2"/>
+          <p:cNvSpPr txBox="1"/>
+          <p:nvPr/>
+        </p:nvSpPr>
+        <p:spPr>
+          <a:xfrm>
+            <a:off x="457200" y="914400"/>
+            <a:ext cx="8229600" cy="5486400"/>
+          </a:xfrm>
+          <a:prstGeom prst="rect">
+            <a:avLst/>
+          </a:prstGeom>
+          <a:noFill/>
+        </p:spPr>
+        <p:txBody>
+          <a:bodyPr wrap="square">
+            <a:spAutoFit/>
+          </a:bodyPr>
+          <a:lstStyle/>
+          <a:p/>
+          <a:p>
+            <a:pPr>
+              <a:defRPr sz="2400"/>
+            </a:pPr>
+            <a:r>
+              <a:t>s edges to meet the constraint.  Memory management (`malloc`) is again a concern.</a:t>
+            </a:r>
+            <a:br/>
+            <a:br/>
+            <a:br/>
+            <a:r>
+              <a:t>* **Monk is given a tree rooted at Node (LVL 3):** This code calculates the product of (n-subtree_size) * subtree_size for each edge in a tree. The code uses DFS to compute subtree sizes. It's functionally correct bu</a:t>
+            </a:r>
+          </a:p>
+        </p:txBody>
+      </p:sp>
+    </p:spTree>
+  </p:cSld>
+  <p:clrMapOvr>
+    <a:masterClrMapping/>
+  </p:clrMapOvr>
+</p:sld>
+</file>
+
+<file path=ppt/slides/slide13.xml><?xml version="1.0" encoding="utf-8"?>
+<p:sld xmlns:a="http://schemas.openxmlformats.org/drawingml/2006/main" xmlns:p="http://schemas.openxmlformats.org/presentationml/2006/main" xmlns:r="http://schemas.openxmlformats.org/officeDocument/2006/relationships">
+  <p:cSld>
+    <p:spTree>
+      <p:nvGrpSpPr>
+        <p:cNvPr id="1" name=""/>
+        <p:cNvGrpSpPr/>
+        <p:nvPr/>
+      </p:nvGrpSpPr>
+      <p:grpSpPr/>
+      <p:sp>
+        <p:nvSpPr>
+          <p:cNvPr id="2" name="Title 1"/>
+          <p:cNvSpPr>
+            <a:spLocks noGrp="1"/>
+          </p:cNvSpPr>
+          <p:nvPr>
+            <p:ph type="title"/>
+          </p:nvPr>
+        </p:nvSpPr>
+        <p:spPr/>
+        <p:txBody>
+          <a:bodyPr/>
+          <a:lstStyle/>
+          <a:p/>
+        </p:txBody>
+      </p:sp>
+      <p:sp>
+        <p:nvSpPr>
+          <p:cNvPr id="3" name="TextBox 2"/>
+          <p:cNvSpPr txBox="1"/>
+          <p:nvPr/>
+        </p:nvSpPr>
+        <p:spPr>
+          <a:xfrm>
+            <a:off x="457200" y="914400"/>
+            <a:ext cx="8229600" cy="5486400"/>
+          </a:xfrm>
+          <a:prstGeom prst="rect">
+            <a:avLst/>
+          </a:prstGeom>
+          <a:noFill/>
+        </p:spPr>
+        <p:txBody>
+          <a:bodyPr wrap="square">
+            <a:spAutoFit/>
+          </a:bodyPr>
+          <a:lstStyle/>
+          <a:p/>
+          <a:p>
+            <a:pPr>
+              <a:defRPr sz="2400"/>
+            </a:pPr>
+            <a:r>
+              <a:t>t uses a linked list implementation which adds overhead.</a:t>
+            </a:r>
+            <a:br/>
+            <a:br/>
+            <a:br/>
+            <a:r>
+              <a:t>* **a permutation is a list (LVL 3):** This code processes a permutation and a graph represented by an adjacency matrix. It groups the permutation elements based on connected components in the graph and then sorts each group.  The code is fu</a:t>
+            </a:r>
+          </a:p>
+        </p:txBody>
+      </p:sp>
+    </p:spTree>
+  </p:cSld>
+  <p:clrMapOvr>
+    <a:masterClrMapping/>
+  </p:clrMapOvr>
+</p:sld>
+</file>
+
+<file path=ppt/slides/slide14.xml><?xml version="1.0" encoding="utf-8"?>
+<p:sld xmlns:a="http://schemas.openxmlformats.org/drawingml/2006/main" xmlns:p="http://schemas.openxmlformats.org/presentationml/2006/main" xmlns:r="http://schemas.openxmlformats.org/officeDocument/2006/relationships">
+  <p:cSld>
+    <p:spTree>
+      <p:nvGrpSpPr>
+        <p:cNvPr id="1" name=""/>
+        <p:cNvGrpSpPr/>
+        <p:nvPr/>
+      </p:nvGrpSpPr>
+      <p:grpSpPr/>
+      <p:sp>
+        <p:nvSpPr>
+          <p:cNvPr id="2" name="Title 1"/>
+          <p:cNvSpPr>
+            <a:spLocks noGrp="1"/>
+          </p:cNvSpPr>
+          <p:nvPr>
+            <p:ph type="title"/>
+          </p:nvPr>
+        </p:nvSpPr>
+        <p:spPr/>
+        <p:txBody>
+          <a:bodyPr/>
+          <a:lstStyle/>
+          <a:p/>
+        </p:txBody>
+      </p:sp>
+      <p:sp>
+        <p:nvSpPr>
+          <p:cNvPr id="3" name="TextBox 2"/>
+          <p:cNvSpPr txBox="1"/>
+          <p:nvPr/>
+        </p:nvSpPr>
+        <p:spPr>
+          <a:xfrm>
+            <a:off x="457200" y="914400"/>
+            <a:ext cx="8229600" cy="5486400"/>
+          </a:xfrm>
+          <a:prstGeom prst="rect">
+            <a:avLst/>
+          </a:prstGeom>
+          <a:noFill/>
+        </p:spPr>
+        <p:txBody>
+          <a:bodyPr wrap="square">
+            <a:spAutoFit/>
+          </a:bodyPr>
+          <a:lstStyle/>
+          <a:p/>
+          <a:p>
+            <a:pPr>
+              <a:defRPr sz="2400"/>
+            </a:pPr>
+            <a:r>
+              <a:t>nctionally correct but uses a non-standard approach and could be simplified.</a:t>
+            </a:r>
+            <a:br/>
+            <a:br/>
+            <a:br/>
+            <a:r>
+              <a:t>**SESSION 3: Divide and Conquer**</a:t>
+            </a:r>
+            <a:br/>
+            <a:br/>
+            <a:r>
+              <a:t>* **A newspaper is published in wonderland (LVL 3):** This code counts the minimum number of headings needed to cover a target string (`s2`) using a source string (`s1`).  The `if (prev_</a:t>
+            </a:r>
+          </a:p>
+        </p:txBody>
+      </p:sp>
+    </p:spTree>
+  </p:cSld>
+  <p:clrMapOvr>
+    <a:masterClrMapping/>
+  </p:clrMapOvr>
+</p:sld>
+</file>
+
+<file path=ppt/slides/slide15.xml><?xml version="1.0" encoding="utf-8"?>
+<p:sld xmlns:a="http://schemas.openxmlformats.org/drawingml/2006/main" xmlns:p="http://schemas.openxmlformats.org/presentationml/2006/main" xmlns:r="http://schemas.openxmlformats.org/officeDocument/2006/relationships">
+  <p:cSld>
+    <p:spTree>
+      <p:nvGrpSpPr>
+        <p:cNvPr id="1" name=""/>
+        <p:cNvGrpSpPr/>
+        <p:nvPr/>
+      </p:nvGrpSpPr>
+      <p:grpSpPr/>
+      <p:sp>
+        <p:nvSpPr>
+          <p:cNvPr id="2" name="Title 1"/>
+          <p:cNvSpPr>
+            <a:spLocks noGrp="1"/>
+          </p:cNvSpPr>
+          <p:nvPr>
+            <p:ph type="title"/>
+          </p:nvPr>
+        </p:nvSpPr>
+        <p:spPr/>
+        <p:txBody>
+          <a:bodyPr/>
+          <a:lstStyle/>
+          <a:p/>
+        </p:txBody>
+      </p:sp>
+      <p:sp>
+        <p:nvSpPr>
+          <p:cNvPr id="3" name="TextBox 2"/>
+          <p:cNvSpPr txBox="1"/>
+          <p:nvPr/>
+        </p:nvSpPr>
+        <p:spPr>
+          <a:xfrm>
+            <a:off x="457200" y="914400"/>
+            <a:ext cx="8229600" cy="5486400"/>
+          </a:xfrm>
+          <a:prstGeom prst="rect">
+            <a:avLst/>
+          </a:prstGeom>
+          <a:noFill/>
+        </p:spPr>
+        <p:txBody>
+          <a:bodyPr wrap="square">
+            <a:spAutoFit/>
+          </a:bodyPr>
+          <a:lstStyle/>
+          <a:p/>
+          <a:p>
+            <a:pPr>
+              <a:defRPr sz="2400"/>
+            </a:pPr>
+            <a:r>
+              <a:t>j == j) return -1;` condition correctly handles cases where the target string cannot be covered.</a:t>
+            </a:r>
+            <a:br/>
+            <a:br/>
+            <a:br/>
+            <a:r>
+              <a:t>* **Rajesh has given an array a (LVL 2):** This code aims to find the minimum absolute difference between pairs of elements after applying a bitwise XOR operation with each element in the array.  The n</a:t>
+            </a:r>
+          </a:p>
+        </p:txBody>
+      </p:sp>
+    </p:spTree>
+  </p:cSld>
+  <p:clrMapOvr>
+    <a:masterClrMapping/>
+  </p:clrMapOvr>
+</p:sld>
+</file>
+
+<file path=ppt/slides/slide16.xml><?xml version="1.0" encoding="utf-8"?>
+<p:sld xmlns:a="http://schemas.openxmlformats.org/drawingml/2006/main" xmlns:p="http://schemas.openxmlformats.org/presentationml/2006/main" xmlns:r="http://schemas.openxmlformats.org/officeDocument/2006/relationships">
+  <p:cSld>
+    <p:spTree>
+      <p:nvGrpSpPr>
+        <p:cNvPr id="1" name=""/>
+        <p:cNvGrpSpPr/>
+        <p:nvPr/>
+      </p:nvGrpSpPr>
+      <p:grpSpPr/>
+      <p:sp>
+        <p:nvSpPr>
+          <p:cNvPr id="2" name="Title 1"/>
+          <p:cNvSpPr>
+            <a:spLocks noGrp="1"/>
+          </p:cNvSpPr>
+          <p:nvPr>
+            <p:ph type="title"/>
+          </p:nvPr>
+        </p:nvSpPr>
+        <p:spPr/>
+        <p:txBody>
+          <a:bodyPr/>
+          <a:lstStyle/>
+          <a:p/>
+        </p:txBody>
+      </p:sp>
+      <p:sp>
+        <p:nvSpPr>
+          <p:cNvPr id="3" name="TextBox 2"/>
+          <p:cNvSpPr txBox="1"/>
+          <p:nvPr/>
+        </p:nvSpPr>
+        <p:spPr>
+          <a:xfrm>
+            <a:off x="457200" y="914400"/>
+            <a:ext cx="8229600" cy="5486400"/>
+          </a:xfrm>
+          <a:prstGeom prst="rect">
+            <a:avLst/>
+          </a:prstGeom>
+          <a:noFill/>
+        </p:spPr>
+        <p:txBody>
+          <a:bodyPr wrap="square">
+            <a:spAutoFit/>
+          </a:bodyPr>
+          <a:lstStyle/>
+          <a:p/>
+          <a:p>
+            <a:pPr>
+              <a:defRPr sz="2400"/>
+            </a:pPr>
+            <a:r>
+              <a:t>ested loops make this solution O(n^2 * 2^k), which is highly inefficient for larger `n` and `k`.</a:t>
+            </a:r>
+            <a:br/>
+            <a:br/>
+            <a:br/>
+            <a:r>
+              <a:t>* **Victor Valmiki and Justin Array (LVL 3):** This code calculates the reduced fraction representing the probability. It correctly uses the greatest common divisor (GCD) to reduce the fraction.</a:t>
+            </a:r>
+            <a:br/>
+            <a:br/>
+            <a:br/>
+            <a:r>
+              <a:t>**Ge</a:t>
+            </a:r>
+          </a:p>
+        </p:txBody>
+      </p:sp>
+    </p:spTree>
+  </p:cSld>
+  <p:clrMapOvr>
+    <a:masterClrMapping/>
+  </p:clrMapOvr>
+</p:sld>
+</file>
+
+<file path=ppt/slides/slide17.xml><?xml version="1.0" encoding="utf-8"?>
+<p:sld xmlns:a="http://schemas.openxmlformats.org/drawingml/2006/main" xmlns:p="http://schemas.openxmlformats.org/presentationml/2006/main" xmlns:r="http://schemas.openxmlformats.org/officeDocument/2006/relationships">
+  <p:cSld>
+    <p:spTree>
+      <p:nvGrpSpPr>
+        <p:cNvPr id="1" name=""/>
+        <p:cNvGrpSpPr/>
+        <p:nvPr/>
+      </p:nvGrpSpPr>
+      <p:grpSpPr/>
+      <p:sp>
+        <p:nvSpPr>
+          <p:cNvPr id="2" name="Title 1"/>
+          <p:cNvSpPr>
+            <a:spLocks noGrp="1"/>
+          </p:cNvSpPr>
+          <p:nvPr>
+            <p:ph type="title"/>
+          </p:nvPr>
+        </p:nvSpPr>
+        <p:spPr/>
+        <p:txBody>
+          <a:bodyPr/>
+          <a:lstStyle/>
+          <a:p/>
+        </p:txBody>
+      </p:sp>
+      <p:sp>
+        <p:nvSpPr>
+          <p:cNvPr id="3" name="TextBox 2"/>
+          <p:cNvSpPr txBox="1"/>
+          <p:nvPr/>
+        </p:nvSpPr>
+        <p:spPr>
+          <a:xfrm>
+            <a:off x="457200" y="914400"/>
+            <a:ext cx="8229600" cy="5486400"/>
+          </a:xfrm>
+          <a:prstGeom prst="rect">
+            <a:avLst/>
+          </a:prstGeom>
+          <a:noFill/>
+        </p:spPr>
+        <p:txBody>
+          <a:bodyPr wrap="square">
+            <a:spAutoFit/>
+          </a:bodyPr>
+          <a:lstStyle/>
+          <a:p/>
+          <a:p>
+            <a:pPr>
+              <a:defRPr sz="2400"/>
+            </a:pPr>
+            <a:r>
+              <a:t>neral Improvements**</a:t>
+            </a:r>
+            <a:br/>
+            <a:br/>
+            <a:r>
+              <a:t>* **Error Handling:** Many of these codes lack proper error handling (e.g., checking return values from `malloc`, handling potential exceptions).</a:t>
+            </a:r>
+            <a:br/>
+            <a:r>
+              <a:t>* **Memory Management:**  Several solutions use `malloc` without corresponding `free` calls, leading to memory leaks.  Consider usin</a:t>
+            </a:r>
+          </a:p>
+        </p:txBody>
+      </p:sp>
+    </p:spTree>
+  </p:cSld>
+  <p:clrMapOvr>
+    <a:masterClrMapping/>
+  </p:clrMapOvr>
+</p:sld>
+</file>
+
+<file path=ppt/slides/slide18.xml><?xml version="1.0" encoding="utf-8"?>
+<p:sld xmlns:a="http://schemas.openxmlformats.org/drawingml/2006/main" xmlns:p="http://schemas.openxmlformats.org/presentationml/2006/main" xmlns:r="http://schemas.openxmlformats.org/officeDocument/2006/relationships">
+  <p:cSld>
+    <p:spTree>
+      <p:nvGrpSpPr>
+        <p:cNvPr id="1" name=""/>
+        <p:cNvGrpSpPr/>
+        <p:nvPr/>
+      </p:nvGrpSpPr>
+      <p:grpSpPr/>
+      <p:sp>
+        <p:nvSpPr>
+          <p:cNvPr id="2" name="Title 1"/>
+          <p:cNvSpPr>
+            <a:spLocks noGrp="1"/>
+          </p:cNvSpPr>
+          <p:nvPr>
+            <p:ph type="title"/>
+          </p:nvPr>
+        </p:nvSpPr>
+        <p:spPr/>
+        <p:txBody>
+          <a:bodyPr/>
+          <a:lstStyle/>
+          <a:p/>
+        </p:txBody>
+      </p:sp>
+      <p:sp>
+        <p:nvSpPr>
+          <p:cNvPr id="3" name="TextBox 2"/>
+          <p:cNvSpPr txBox="1"/>
+          <p:nvPr/>
+        </p:nvSpPr>
+        <p:spPr>
+          <a:xfrm>
+            <a:off x="457200" y="914400"/>
+            <a:ext cx="8229600" cy="5486400"/>
+          </a:xfrm>
+          <a:prstGeom prst="rect">
+            <a:avLst/>
+          </a:prstGeom>
+          <a:noFill/>
+        </p:spPr>
+        <p:txBody>
+          <a:bodyPr wrap="square">
+            <a:spAutoFit/>
+          </a:bodyPr>
+          <a:lstStyle/>
+          <a:p/>
+          <a:p>
+            <a:pPr>
+              <a:defRPr sz="2400"/>
+            </a:pPr>
+            <a:r>
+              <a:t>g `std::vector` in C++ for dynamic arrays; it handles memory automatically.</a:t>
+            </a:r>
+            <a:br/>
+            <a:r>
+              <a:t>* **Efficiency:** Some solutions have nested loops that lead to O(n^2) or worse time complexity.  Explore more efficient algorithms if possible.</a:t>
+            </a:r>
+            <a:br/>
+            <a:r>
+              <a:t>* **Code Style:**  Consistency in code style (e.g., indentation, naming convent</a:t>
+            </a:r>
+          </a:p>
+        </p:txBody>
+      </p:sp>
+    </p:spTree>
+  </p:cSld>
+  <p:clrMapOvr>
+    <a:masterClrMapping/>
+  </p:clrMapOvr>
+</p:sld>
+</file>
+
+<file path=ppt/slides/slide19.xml><?xml version="1.0" encoding="utf-8"?>
+<p:sld xmlns:a="http://schemas.openxmlformats.org/drawingml/2006/main" xmlns:p="http://schemas.openxmlformats.org/presentationml/2006/main" xmlns:r="http://schemas.openxmlformats.org/officeDocument/2006/relationships">
+  <p:cSld>
+    <p:spTree>
+      <p:nvGrpSpPr>
+        <p:cNvPr id="1" name=""/>
+        <p:cNvGrpSpPr/>
+        <p:nvPr/>
+      </p:nvGrpSpPr>
+      <p:grpSpPr/>
+      <p:sp>
+        <p:nvSpPr>
+          <p:cNvPr id="2" name="Title 1"/>
+          <p:cNvSpPr>
+            <a:spLocks noGrp="1"/>
+          </p:cNvSpPr>
+          <p:nvPr>
+            <p:ph type="title"/>
+          </p:nvPr>
+        </p:nvSpPr>
+        <p:spPr/>
+        <p:txBody>
+          <a:bodyPr/>
+          <a:lstStyle/>
+          <a:p/>
+        </p:txBody>
+      </p:sp>
+      <p:sp>
+        <p:nvSpPr>
+          <p:cNvPr id="3" name="TextBox 2"/>
+          <p:cNvSpPr txBox="1"/>
+          <p:nvPr/>
+        </p:nvSpPr>
+        <p:spPr>
+          <a:xfrm>
+            <a:off x="457200" y="914400"/>
+            <a:ext cx="8229600" cy="5486400"/>
+          </a:xfrm>
+          <a:prstGeom prst="rect">
+            <a:avLst/>
+          </a:prstGeom>
+          <a:noFill/>
+        </p:spPr>
+        <p:txBody>
+          <a:bodyPr wrap="square">
+            <a:spAutoFit/>
+          </a:bodyPr>
+          <a:lstStyle/>
+          <a:p/>
+          <a:p>
+            <a:pPr>
+              <a:defRPr sz="2400"/>
+            </a:pPr>
+            <a:r>
+              <a:t>ions) will improve readability.</a:t>
+            </a:r>
+            <a:br/>
+            <a:r>
+              <a:t>* **Comments:**  Add more comments to explain complex logic and algorithms.</a:t>
+            </a:r>
+            <a:br/>
+            <a:br/>
+            <a:br/>
+            <a:r>
+              <a:t>Remember that for larger problems, you should always consider the time and space complexity of your solutions.  Optimization is key to writing efficient code.  Consider using more advanced d</a:t>
+            </a:r>
+          </a:p>
+        </p:txBody>
+      </p:sp>
+    </p:spTree>
+  </p:cSld>
+  <p:clrMapOvr>
+    <a:masterClrMapping/>
+  </p:clrMapOvr>
+</p:sld>
+</file>
+
+<file path=ppt/slides/slide2.xml><?xml version="1.0" encoding="utf-8"?>
+<p:sld xmlns:a="http://schemas.openxmlformats.org/drawingml/2006/main" xmlns:p="http://schemas.openxmlformats.org/presentationml/2006/main" xmlns:r="http://schemas.openxmlformats.org/officeDocument/2006/relationships">
+  <p:cSld>
+    <p:spTree>
+      <p:nvGrpSpPr>
+        <p:cNvPr id="1" name=""/>
+        <p:cNvGrpSpPr/>
+        <p:nvPr/>
+      </p:nvGrpSpPr>
+      <p:grpSpPr/>
+      <p:sp>
+        <p:nvSpPr>
+          <p:cNvPr id="2" name="Title 1"/>
+          <p:cNvSpPr>
+            <a:spLocks noGrp="1"/>
+          </p:cNvSpPr>
+          <p:nvPr>
+            <p:ph type="title"/>
+          </p:nvPr>
+        </p:nvSpPr>
+        <p:spPr/>
+        <p:txBody>
+          <a:bodyPr/>
+          <a:lstStyle/>
+          <a:p/>
+        </p:txBody>
+      </p:sp>
+      <p:sp>
+        <p:nvSpPr>
+          <p:cNvPr id="3" name="TextBox 2"/>
+          <p:cNvSpPr txBox="1"/>
+          <p:nvPr/>
+        </p:nvSpPr>
+        <p:spPr>
+          <a:xfrm>
+            <a:off x="457200" y="914400"/>
+            <a:ext cx="8229600" cy="5486400"/>
+          </a:xfrm>
+          <a:prstGeom prst="rect">
+            <a:avLst/>
+          </a:prstGeom>
+          <a:noFill/>
+        </p:spPr>
+        <p:txBody>
+          <a:bodyPr wrap="square">
+            <a:spAutoFit/>
+          </a:bodyPr>
+          <a:lstStyle/>
+          <a:p/>
+          <a:p>
+            <a:pPr>
+              <a:defRPr sz="2400"/>
+            </a:pPr>
+            <a:r>
+              <a:t>ps needed to make a string a palindrome by comparing characters from the beginning and end.  It's functionally correct, but `steps++` should be inside the `if` block, otherwise, it's always incrementing.</a:t>
+            </a:r>
+            <a:br/>
+            <a:br/>
+            <a:r>
+              <a:t>```c</a:t>
+            </a:r>
+            <a:br/>
+            <a:r>
+              <a:t>#include &lt;stdio.h&gt;</a:t>
+            </a:r>
+            <a:br/>
+            <a:r>
+              <a:t>#include &lt;string.h&gt;</a:t>
+            </a:r>
+            <a:br/>
+            <a:br/>
+            <a:r>
+              <a:t>int count(char *s, int n) {</a:t>
+            </a:r>
+            <a:br/>
+            <a:r>
+              <a:t>    int steps = 0;</a:t>
+            </a:r>
+            <a:br/>
+            <a:r>
+              <a:t>   </a:t>
+            </a:r>
+          </a:p>
+        </p:txBody>
+      </p:sp>
+    </p:spTree>
+  </p:cSld>
+  <p:clrMapOvr>
+    <a:masterClrMapping/>
+  </p:clrMapOvr>
+</p:sld>
+</file>
+
+<file path=ppt/slides/slide20.xml><?xml version="1.0" encoding="utf-8"?>
+<p:sld xmlns:a="http://schemas.openxmlformats.org/drawingml/2006/main" xmlns:p="http://schemas.openxmlformats.org/presentationml/2006/main" xmlns:r="http://schemas.openxmlformats.org/officeDocument/2006/relationships">
+  <p:cSld>
+    <p:spTree>
+      <p:nvGrpSpPr>
+        <p:cNvPr id="1" name=""/>
+        <p:cNvGrpSpPr/>
+        <p:nvPr/>
+      </p:nvGrpSpPr>
+      <p:grpSpPr/>
+      <p:sp>
+        <p:nvSpPr>
+          <p:cNvPr id="2" name="Title 1"/>
+          <p:cNvSpPr>
+            <a:spLocks noGrp="1"/>
+          </p:cNvSpPr>
+          <p:nvPr>
+            <p:ph type="title"/>
+          </p:nvPr>
+        </p:nvSpPr>
+        <p:spPr/>
+        <p:txBody>
+          <a:bodyPr/>
+          <a:lstStyle/>
+          <a:p/>
+        </p:txBody>
+      </p:sp>
+      <p:sp>
+        <p:nvSpPr>
+          <p:cNvPr id="3" name="TextBox 2"/>
+          <p:cNvSpPr txBox="1"/>
+          <p:nvPr/>
+        </p:nvSpPr>
+        <p:spPr>
+          <a:xfrm>
+            <a:off x="457200" y="914400"/>
+            <a:ext cx="8229600" cy="5486400"/>
+          </a:xfrm>
+          <a:prstGeom prst="rect">
+            <a:avLst/>
+          </a:prstGeom>
+          <a:noFill/>
+        </p:spPr>
+        <p:txBody>
+          <a:bodyPr wrap="square">
+            <a:spAutoFit/>
+          </a:bodyPr>
+          <a:lstStyle/>
+          <a:p/>
+          <a:p>
+            <a:pPr>
+              <a:defRPr sz="2400"/>
+            </a:pPr>
+            <a:r>
+              <a:t>ata structures or algorithms if simpler approaches lead to unacceptable performance.</a:t>
+            </a:r>
+            <a:br/>
+          </a:p>
+        </p:txBody>
+      </p:sp>
+    </p:spTree>
+  </p:cSld>
+  <p:clrMapOvr>
+    <a:masterClrMapping/>
+  </p:clrMapOvr>
+</p:sld>
+</file>
+
+<file path=ppt/slides/slide3.xml><?xml version="1.0" encoding="utf-8"?>
+<p:sld xmlns:a="http://schemas.openxmlformats.org/drawingml/2006/main" xmlns:p="http://schemas.openxmlformats.org/presentationml/2006/main" xmlns:r="http://schemas.openxmlformats.org/officeDocument/2006/relationships">
+  <p:cSld>
+    <p:spTree>
+      <p:nvGrpSpPr>
+        <p:cNvPr id="1" name=""/>
+        <p:cNvGrpSpPr/>
+        <p:nvPr/>
+      </p:nvGrpSpPr>
+      <p:grpSpPr/>
+      <p:sp>
+        <p:nvSpPr>
+          <p:cNvPr id="2" name="Title 1"/>
+          <p:cNvSpPr>
+            <a:spLocks noGrp="1"/>
+          </p:cNvSpPr>
+          <p:nvPr>
+            <p:ph type="title"/>
+          </p:nvPr>
+        </p:nvSpPr>
+        <p:spPr/>
+        <p:txBody>
+          <a:bodyPr/>
+          <a:lstStyle/>
+          <a:p/>
+        </p:txBody>
+      </p:sp>
+      <p:sp>
+        <p:nvSpPr>
+          <p:cNvPr id="3" name="TextBox 2"/>
+          <p:cNvSpPr txBox="1"/>
+          <p:nvPr/>
+        </p:nvSpPr>
+        <p:spPr>
+          <a:xfrm>
+            <a:off x="457200" y="914400"/>
+            <a:ext cx="8229600" cy="5486400"/>
+          </a:xfrm>
+          <a:prstGeom prst="rect">
+            <a:avLst/>
+          </a:prstGeom>
+          <a:noFill/>
+        </p:spPr>
+        <p:txBody>
+          <a:bodyPr wrap="square">
+            <a:spAutoFit/>
+          </a:bodyPr>
+          <a:lstStyle/>
+          <a:p/>
+          <a:p>
+            <a:pPr>
+              <a:defRPr sz="2400"/>
+            </a:pPr>
+            <a:r>
+              <a:t> for (int i = 0, j = n - 1; i &lt; j; i++, j--) {</a:t>
+            </a:r>
+            <a:br/>
+            <a:r>
+              <a:t>        if (s[i] != s[j]) {</a:t>
+            </a:r>
+            <a:br/>
+            <a:r>
+              <a:t>            steps++;</a:t>
+            </a:r>
+            <a:br/>
+            <a:r>
+              <a:t>        }</a:t>
+            </a:r>
+            <a:br/>
+            <a:r>
+              <a:t>    }</a:t>
+            </a:r>
+            <a:br/>
+            <a:r>
+              <a:t>    return steps;</a:t>
+            </a:r>
+            <a:br/>
+            <a:r>
+              <a:t>}</a:t>
+            </a:r>
+            <a:br/>
+            <a:br/>
+            <a:r>
+              <a:t>int main() {</a:t>
+            </a:r>
+            <a:br/>
+            <a:r>
+              <a:t>    char s[5001];</a:t>
+            </a:r>
+            <a:br/>
+            <a:r>
+              <a:t>    scanf("%s", s);</a:t>
+            </a:r>
+            <a:br/>
+            <a:r>
+              <a:t>    int n = strlen(s);</a:t>
+            </a:r>
+            <a:br/>
+            <a:r>
+              <a:t>    printf("%d\n", count(s, n));</a:t>
+            </a:r>
+            <a:br/>
+            <a:r>
+              <a:t>    return 0;</a:t>
+            </a:r>
+            <a:br/>
+            <a:r>
+              <a:t>}</a:t>
+            </a:r>
+            <a:br/>
             <a:r>
               <a:t>```</a:t>
             </a:r>
-          </a:p>
-          <a:p>
-            <a:r>
-              <a:t>C.ID: 8efc1d7</a:t>
-            </a:r>
-          </a:p>
+            <a:br/>
+            <a:br/>
+            <a:r>
+              <a:t>* **You are given two numbers, namely A</a:t>
+            </a:r>
+          </a:p>
+        </p:txBody>
+      </p:sp>
+    </p:spTree>
+  </p:cSld>
+  <p:clrMapOvr>
+    <a:masterClrMapping/>
+  </p:clrMapOvr>
+</p:sld>
+</file>
+
+<file path=ppt/slides/slide4.xml><?xml version="1.0" encoding="utf-8"?>
+<p:sld xmlns:a="http://schemas.openxmlformats.org/drawingml/2006/main" xmlns:p="http://schemas.openxmlformats.org/presentationml/2006/main" xmlns:r="http://schemas.openxmlformats.org/officeDocument/2006/relationships">
+  <p:cSld>
+    <p:spTree>
+      <p:nvGrpSpPr>
+        <p:cNvPr id="1" name=""/>
+        <p:cNvGrpSpPr/>
+        <p:nvPr/>
+      </p:nvGrpSpPr>
+      <p:grpSpPr/>
+      <p:sp>
+        <p:nvSpPr>
+          <p:cNvPr id="2" name="Title 1"/>
+          <p:cNvSpPr>
+            <a:spLocks noGrp="1"/>
+          </p:cNvSpPr>
+          <p:nvPr>
+            <p:ph type="title"/>
+          </p:nvPr>
+        </p:nvSpPr>
+        <p:spPr/>
+        <p:txBody>
+          <a:bodyPr/>
+          <a:lstStyle/>
           <a:p/>
-          <a:p>
-            <a:r>
-              <a:t>**CERTIFICATE OF COMPLETION**</a:t>
-            </a:r>
-          </a:p>
+        </p:txBody>
+      </p:sp>
+      <p:sp>
+        <p:nvSpPr>
+          <p:cNvPr id="3" name="TextBox 2"/>
+          <p:cNvSpPr txBox="1"/>
+          <p:nvPr/>
+        </p:nvSpPr>
+        <p:spPr>
+          <a:xfrm>
+            <a:off x="457200" y="914400"/>
+            <a:ext cx="8229600" cy="5486400"/>
+          </a:xfrm>
+          <a:prstGeom prst="rect">
+            <a:avLst/>
+          </a:prstGeom>
+          <a:noFill/>
+        </p:spPr>
+        <p:txBody>
+          <a:bodyPr wrap="square">
+            <a:spAutoFit/>
+          </a:bodyPr>
+          <a:lstStyle/>
           <a:p/>
           <a:p>
-            <a:r>
-              <a:t>**Proudly Presented to**</a:t>
-            </a:r>
-          </a:p>
+            <a:pPr>
+              <a:defRPr sz="2400"/>
+            </a:pPr>
+            <a:r>
+              <a:t> and S (LVL 3):** This code counts the number of ways to obtain `A` using sums of `S` or greater. It uses dynamic programming. The code is generally correct, but the modulo operation (`% MOD`) is crucial for preventing integer overflow.</a:t>
+            </a:r>
+            <a:br/>
+            <a:br/>
+            <a:br/>
+            <a:r>
+              <a:t>```c</a:t>
+            </a:r>
+            <a:br/>
+            <a:r>
+              <a:t>#include &lt;stdio.h&gt;</a:t>
+            </a:r>
+            <a:br/>
+            <a:r>
+              <a:t>#define MOD 1000000009</a:t>
+            </a:r>
+            <a:br/>
+            <a:br/>
+            <a:r>
+              <a:t>int countWays</a:t>
+            </a:r>
+          </a:p>
+        </p:txBody>
+      </p:sp>
+    </p:spTree>
+  </p:cSld>
+  <p:clrMapOvr>
+    <a:masterClrMapping/>
+  </p:clrMapOvr>
+</p:sld>
+</file>
+
+<file path=ppt/slides/slide5.xml><?xml version="1.0" encoding="utf-8"?>
+<p:sld xmlns:a="http://schemas.openxmlformats.org/drawingml/2006/main" xmlns:p="http://schemas.openxmlformats.org/presentationml/2006/main" xmlns:r="http://schemas.openxmlformats.org/officeDocument/2006/relationships">
+  <p:cSld>
+    <p:spTree>
+      <p:nvGrpSpPr>
+        <p:cNvPr id="1" name=""/>
+        <p:cNvGrpSpPr/>
+        <p:nvPr/>
+      </p:nvGrpSpPr>
+      <p:grpSpPr/>
+      <p:sp>
+        <p:nvSpPr>
+          <p:cNvPr id="2" name="Title 1"/>
+          <p:cNvSpPr>
+            <a:spLocks noGrp="1"/>
+          </p:cNvSpPr>
+          <p:nvPr>
+            <p:ph type="title"/>
+          </p:nvPr>
+        </p:nvSpPr>
+        <p:spPr/>
+        <p:txBody>
+          <a:bodyPr/>
+          <a:lstStyle/>
           <a:p/>
-          <a:p>
-            <a:r>
-              <a:t>RAVI SAH</a:t>
-            </a:r>
-          </a:p>
+        </p:txBody>
+      </p:sp>
+      <p:sp>
+        <p:nvSpPr>
+          <p:cNvPr id="3" name="TextBox 2"/>
+          <p:cNvSpPr txBox="1"/>
+          <p:nvPr/>
+        </p:nvSpPr>
+        <p:spPr>
+          <a:xfrm>
+            <a:off x="457200" y="914400"/>
+            <a:ext cx="8229600" cy="5486400"/>
+          </a:xfrm>
+          <a:prstGeom prst="rect">
+            <a:avLst/>
+          </a:prstGeom>
+          <a:noFill/>
+        </p:spPr>
+        <p:txBody>
+          <a:bodyPr wrap="square">
+            <a:spAutoFit/>
+          </a:bodyPr>
+          <a:lstStyle/>
           <a:p/>
           <a:p>
-            <a:r>
-              <a:t>for successfully completing a four-week virtual internship program in C++ Programming.  Ravi demonstrated wonderful skills and made invaluable contributions to assigned tasks and projects.</a:t>
-            </a:r>
-          </a:p>
+            <a:pPr>
+              <a:defRPr sz="2400"/>
+            </a:pPr>
+            <a:r>
+              <a:t>(int A, int S) {</a:t>
+            </a:r>
+            <a:br/>
+            <a:r>
+              <a:t>    int dp[A + 1];</a:t>
+            </a:r>
+            <a:br/>
+            <a:r>
+              <a:t>    for (int i = 0; i &lt;= A; i++)</a:t>
+            </a:r>
+            <a:br/>
+            <a:r>
+              <a:t>        dp[i] = 0;</a:t>
+            </a:r>
+            <a:br/>
+            <a:r>
+              <a:t>    dp[0] = 1;</a:t>
+            </a:r>
+            <a:br/>
+            <a:r>
+              <a:t>    for (int i = S; i &lt;= A; i++) {</a:t>
+            </a:r>
+            <a:br/>
+            <a:r>
+              <a:t>        for (int j = i; j &lt;= A; j++) {</a:t>
+            </a:r>
+            <a:br/>
+            <a:r>
+              <a:t>            dp[j] = (dp[j] + dp[j - i]) % MOD;</a:t>
+            </a:r>
+            <a:br/>
+            <a:r>
+              <a:t>        }</a:t>
+            </a:r>
+            <a:br/>
+            <a:r>
+              <a:t>    }</a:t>
+            </a:r>
+            <a:br/>
+            <a:r>
+              <a:t>    return dp[A];</a:t>
+            </a:r>
+            <a:br/>
+            <a:r>
+              <a:t>}</a:t>
+            </a:r>
+            <a:br/>
+            <a:br/>
+            <a:r>
+              <a:t>int main() {</a:t>
+            </a:r>
+            <a:br/>
+            <a:r>
+              <a:t>    int t, A, S;</a:t>
+            </a:r>
+            <a:br/>
+            <a:r>
+              <a:t>    scanf</a:t>
+            </a:r>
+          </a:p>
+        </p:txBody>
+      </p:sp>
+    </p:spTree>
+  </p:cSld>
+  <p:clrMapOvr>
+    <a:masterClrMapping/>
+  </p:clrMapOvr>
+</p:sld>
+</file>
+
+<file path=ppt/slides/slide6.xml><?xml version="1.0" encoding="utf-8"?>
+<p:sld xmlns:a="http://schemas.openxmlformats.org/drawingml/2006/main" xmlns:p="http://schemas.openxmlformats.org/presentationml/2006/main" xmlns:r="http://schemas.openxmlformats.org/officeDocument/2006/relationships">
+  <p:cSld>
+    <p:spTree>
+      <p:nvGrpSpPr>
+        <p:cNvPr id="1" name=""/>
+        <p:cNvGrpSpPr/>
+        <p:nvPr/>
+      </p:nvGrpSpPr>
+      <p:grpSpPr/>
+      <p:sp>
+        <p:nvSpPr>
+          <p:cNvPr id="2" name="Title 1"/>
+          <p:cNvSpPr>
+            <a:spLocks noGrp="1"/>
+          </p:cNvSpPr>
+          <p:nvPr>
+            <p:ph type="title"/>
+          </p:nvPr>
+        </p:nvSpPr>
+        <p:spPr/>
+        <p:txBody>
+          <a:bodyPr/>
+          <a:lstStyle/>
           <a:p/>
-          <a:p>
-            <a:r>
-              <a:t>**Program Dates:** January 25, 2024 – February 25, 2024</a:t>
-            </a:r>
-          </a:p>
+        </p:txBody>
+      </p:sp>
+      <p:sp>
+        <p:nvSpPr>
+          <p:cNvPr id="3" name="TextBox 2"/>
+          <p:cNvSpPr txBox="1"/>
+          <p:nvPr/>
+        </p:nvSpPr>
+        <p:spPr>
+          <a:xfrm>
+            <a:off x="457200" y="914400"/>
+            <a:ext cx="8229600" cy="5486400"/>
+          </a:xfrm>
+          <a:prstGeom prst="rect">
+            <a:avLst/>
+          </a:prstGeom>
+          <a:noFill/>
+        </p:spPr>
+        <p:txBody>
+          <a:bodyPr wrap="square">
+            <a:spAutoFit/>
+          </a:bodyPr>
+          <a:lstStyle/>
           <a:p/>
           <a:p>
-            <a:r>
-              <a:t>**CODSOFT**</a:t>
-            </a:r>
-          </a:p>
-          <a:p>
-            <a:r>
-              <a:t>ISO 9001-2015 Certified</a:t>
-            </a:r>
-          </a:p>
+            <a:pPr>
+              <a:defRPr sz="2400"/>
+            </a:pPr>
+            <a:r>
+              <a:t>("%d", &amp;t);</a:t>
+            </a:r>
+            <a:br/>
+            <a:r>
+              <a:t>    while (t--) {</a:t>
+            </a:r>
+            <a:br/>
+            <a:r>
+              <a:t>        scanf("%d %d", &amp;A, &amp;S);</a:t>
+            </a:r>
+            <a:br/>
+            <a:r>
+              <a:t>        printf("%d\n", countWays(A, S));</a:t>
+            </a:r>
+            <a:br/>
+            <a:r>
+              <a:t>    }</a:t>
+            </a:r>
+            <a:br/>
+            <a:r>
+              <a:t>    return 0;</a:t>
+            </a:r>
+            <a:br/>
+            <a:r>
+              <a:t>}</a:t>
+            </a:r>
+            <a:br/>
+            <a:r>
+              <a:t>```</a:t>
+            </a:r>
+            <a:br/>
+            <a:br/>
+            <a:r>
+              <a:t>* **Aliens and Predators (LVL 2):** This code uses Depth-First Search (DFS) to determine the maximum number of aliens or predators in a bipartite graph.  The code has a s</a:t>
+            </a:r>
+          </a:p>
+        </p:txBody>
+      </p:sp>
+    </p:spTree>
+  </p:cSld>
+  <p:clrMapOvr>
+    <a:masterClrMapping/>
+  </p:clrMapOvr>
+</p:sld>
+</file>
+
+<file path=ppt/slides/slide7.xml><?xml version="1.0" encoding="utf-8"?>
+<p:sld xmlns:a="http://schemas.openxmlformats.org/drawingml/2006/main" xmlns:p="http://schemas.openxmlformats.org/presentationml/2006/main" xmlns:r="http://schemas.openxmlformats.org/officeDocument/2006/relationships">
+  <p:cSld>
+    <p:spTree>
+      <p:nvGrpSpPr>
+        <p:cNvPr id="1" name=""/>
+        <p:cNvGrpSpPr/>
+        <p:nvPr/>
+      </p:nvGrpSpPr>
+      <p:grpSpPr/>
+      <p:sp>
+        <p:nvSpPr>
+          <p:cNvPr id="2" name="Title 1"/>
+          <p:cNvSpPr>
+            <a:spLocks noGrp="1"/>
+          </p:cNvSpPr>
+          <p:nvPr>
+            <p:ph type="title"/>
+          </p:nvPr>
+        </p:nvSpPr>
+        <p:spPr/>
+        <p:txBody>
+          <a:bodyPr/>
+          <a:lstStyle/>
           <a:p/>
-          <a:p>
-            <a:r>
-              <a:t>www.codsoft.in</a:t>
-            </a:r>
-          </a:p>
-          <a:p>
-            <a:r>
-              <a:t>contact@codsoft.in</a:t>
-            </a:r>
-          </a:p>
+        </p:txBody>
+      </p:sp>
+      <p:sp>
+        <p:nvSpPr>
+          <p:cNvPr id="3" name="TextBox 2"/>
+          <p:cNvSpPr txBox="1"/>
+          <p:nvPr/>
+        </p:nvSpPr>
+        <p:spPr>
+          <a:xfrm>
+            <a:off x="457200" y="914400"/>
+            <a:ext cx="8229600" cy="5486400"/>
+          </a:xfrm>
+          <a:prstGeom prst="rect">
+            <a:avLst/>
+          </a:prstGeom>
+          <a:noFill/>
+        </p:spPr>
+        <p:txBody>
+          <a:bodyPr wrap="square">
+            <a:spAutoFit/>
+          </a:bodyPr>
+          <a:lstStyle/>
           <a:p/>
           <a:p>
-            <a:r>
-              <a:t>Date: February 28, 2024</a:t>
-            </a:r>
-          </a:p>
-          <a:p>
-            <a:r>
-              <a:t>```</a:t>
-            </a:r>
-          </a:p>
+            <a:pPr>
+              <a:defRPr sz="2400"/>
+            </a:pPr>
+            <a:r>
+              <a:t>ignificant flaw: it doesn't correctly handle the case where a cycle violates the bipartite property. The `if (color[v] == color[node])` check is incomplete.  It needs to explicitly handle the conflict and potentially return an error or adjust the logic accordingly. The code also uses `bits/stdc++.h`</a:t>
+            </a:r>
+          </a:p>
+        </p:txBody>
+      </p:sp>
+    </p:spTree>
+  </p:cSld>
+  <p:clrMapOvr>
+    <a:masterClrMapping/>
+  </p:clrMapOvr>
+</p:sld>
+</file>
+
+<file path=ppt/slides/slide8.xml><?xml version="1.0" encoding="utf-8"?>
+<p:sld xmlns:a="http://schemas.openxmlformats.org/drawingml/2006/main" xmlns:p="http://schemas.openxmlformats.org/presentationml/2006/main" xmlns:r="http://schemas.openxmlformats.org/officeDocument/2006/relationships">
+  <p:cSld>
+    <p:spTree>
+      <p:nvGrpSpPr>
+        <p:cNvPr id="1" name=""/>
+        <p:cNvGrpSpPr/>
+        <p:nvPr/>
+      </p:nvGrpSpPr>
+      <p:grpSpPr/>
+      <p:sp>
+        <p:nvSpPr>
+          <p:cNvPr id="2" name="Title 1"/>
+          <p:cNvSpPr>
+            <a:spLocks noGrp="1"/>
+          </p:cNvSpPr>
+          <p:nvPr>
+            <p:ph type="title"/>
+          </p:nvPr>
+        </p:nvSpPr>
+        <p:spPr/>
+        <p:txBody>
+          <a:bodyPr/>
+          <a:lstStyle/>
           <a:p/>
-          <a:p>
-            <a:r>
-              <a:t>**Option 2 (Slightly Less Formal):**</a:t>
-            </a:r>
-          </a:p>
+        </p:txBody>
+      </p:sp>
+      <p:sp>
+        <p:nvSpPr>
+          <p:cNvPr id="3" name="TextBox 2"/>
+          <p:cNvSpPr txBox="1"/>
+          <p:nvPr/>
+        </p:nvSpPr>
+        <p:spPr>
+          <a:xfrm>
+            <a:off x="457200" y="914400"/>
+            <a:ext cx="8229600" cy="5486400"/>
+          </a:xfrm>
+          <a:prstGeom prst="rect">
+            <a:avLst/>
+          </a:prstGeom>
+          <a:noFill/>
+        </p:spPr>
+        <p:txBody>
+          <a:bodyPr wrap="square">
+            <a:spAutoFit/>
+          </a:bodyPr>
+          <a:lstStyle/>
           <a:p/>
           <a:p>
-            <a:r>
-              <a:t>```</a:t>
-            </a:r>
-          </a:p>
-          <a:p>
-            <a:r>
-              <a:t>C.ID: 8efc1d7</a:t>
-            </a:r>
-          </a:p>
+            <a:pPr>
+              <a:defRPr sz="2400"/>
+            </a:pPr>
+            <a:r>
+              <a:t>, which is generally discouraged for its potential to introduce unnecessary dependencies.</a:t>
+            </a:r>
+            <a:br/>
+            <a:br/>
+            <a:br/>
+            <a:r>
+              <a:t>* **Wef and Astro (LVL 3):** This code counts the number of unique strings (after sorting their characters) in a list. The code is correct, but `ios::sync_with_stdio(false); cin.tie(nullptr);` is good practic</a:t>
+            </a:r>
+          </a:p>
+        </p:txBody>
+      </p:sp>
+    </p:spTree>
+  </p:cSld>
+  <p:clrMapOvr>
+    <a:masterClrMapping/>
+  </p:clrMapOvr>
+</p:sld>
+</file>
+
+<file path=ppt/slides/slide9.xml><?xml version="1.0" encoding="utf-8"?>
+<p:sld xmlns:a="http://schemas.openxmlformats.org/drawingml/2006/main" xmlns:p="http://schemas.openxmlformats.org/presentationml/2006/main" xmlns:r="http://schemas.openxmlformats.org/officeDocument/2006/relationships">
+  <p:cSld>
+    <p:spTree>
+      <p:nvGrpSpPr>
+        <p:cNvPr id="1" name=""/>
+        <p:cNvGrpSpPr/>
+        <p:nvPr/>
+      </p:nvGrpSpPr>
+      <p:grpSpPr/>
+      <p:sp>
+        <p:nvSpPr>
+          <p:cNvPr id="2" name="Title 1"/>
+          <p:cNvSpPr>
+            <a:spLocks noGrp="1"/>
+          </p:cNvSpPr>
+          <p:nvPr>
+            <p:ph type="title"/>
+          </p:nvPr>
+        </p:nvSpPr>
+        <p:spPr/>
+        <p:txBody>
+          <a:bodyPr/>
+          <a:lstStyle/>
           <a:p/>
-          <a:p>
-            <a:r>
-              <a:t>**CERTIFICATE OF COMPLETION**</a:t>
-            </a:r>
-          </a:p>
+        </p:txBody>
+      </p:sp>
+      <p:sp>
+        <p:nvSpPr>
+          <p:cNvPr id="3" name="TextBox 2"/>
+          <p:cNvSpPr txBox="1"/>
+          <p:nvPr/>
+        </p:nvSpPr>
+        <p:spPr>
+          <a:xfrm>
+            <a:off x="457200" y="914400"/>
+            <a:ext cx="8229600" cy="5486400"/>
+          </a:xfrm>
+          <a:prstGeom prst="rect">
+            <a:avLst/>
+          </a:prstGeom>
+          <a:noFill/>
+        </p:spPr>
+        <p:txBody>
+          <a:bodyPr wrap="square">
+            <a:spAutoFit/>
+          </a:bodyPr>
+          <a:lstStyle/>
           <a:p/>
           <a:p>
-            <a:r>
-              <a:t>This certificate is awarded to</a:t>
-            </a:r>
-          </a:p>
-          <a:p/>
-          <a:p>
-            <a:r>
-              <a:t>**RAVI SAH**</a:t>
-            </a:r>
-          </a:p>
-          <a:p/>
-          <a:p>
-            <a:r>
-              <a:t>in recognition of successful completion of a four-week virtual internship in C++ Programming at CODSOFT.  Ravi's contributions and skills were truly impressive.</a:t>
-            </a:r>
-          </a:p>
-          <a:p/>
-          <a:p>
-            <a:r>
-              <a:t>**Program Dates:** January 25, 2024 – February 25, 2024</a:t>
-            </a:r>
-          </a:p>
-          <a:p/>
-          <a:p>
-            <a:r>
-              <a:t>**CODSOFT**</a:t>
-            </a:r>
-          </a:p>
-          <a:p>
-            <a:r>
-              <a:t>ISO 9001-2015 Certified</a:t>
-            </a:r>
-          </a:p>
-          <a:p/>
-          <a:p>
-            <a:r>
-              <a:t>www.codsoft.in</a:t>
-            </a:r>
-          </a:p>
-          <a:p>
-            <a:r>
-              <a:t>contact@codsoft.in</a:t>
-            </a:r>
-          </a:p>
-          <a:p/>
-          <a:p>
-            <a:r>
-              <a:t>Date: February 28, 2024</a:t>
-            </a:r>
-          </a:p>
-          <a:p>
-            <a:r>
-              <a:t>```</a:t>
-            </a:r>
-          </a:p>
-          <a:p/>
-          <a:p/>
-          <a:p>
-            <a:r>
-              <a:t>**Key improvements:**</a:t>
-            </a:r>
-          </a:p>
-          <a:p/>
-          <a:p>
-            <a:r>
-              <a:t>* **Bolding and Formatting:**  Using bold text for key elements like the title and name makes it easier to read.  Proper line breaks improve readability.</a:t>
-            </a:r>
-          </a:p>
-          <a:p>
-            <a:r>
-              <a:t>* **Sentence Structure:** The sentences have been restructured for better flow and grammar.  Replacing "his/her" with "Ravi's" avoids gendered language.</a:t>
-            </a:r>
-          </a:p>
-          <a:p>
-            <a:r>
-              <a:t>* **Date Format:** Using the month name instead of numbers (e.g., January 25, 2024) is generally preferred in formal documents.</a:t>
-            </a:r>
-          </a:p>
-          <a:p>
-            <a:r>
-              <a:t>* **Conciseness:** The wording is slightly more concise and impactful.</a:t>
-            </a:r>
-          </a:p>
-          <a:p>
-            <a:r>
-              <a:t>* **"Four-week" instead of "4 weeks":**  Writing it out is more formal.</a:t>
-            </a:r>
-          </a:p>
-          <a:p/>
-          <a:p/>
-          <a:p>
-            <a:r>
-              <a:t>Remember to choose the option that best suits the overall tone and style of CODSOFT's certificates.  You might also want to consider adding a logo for CODSOFT.</a:t>
-            </a:r>
-          </a:p>
-          <a:p/>
+            <a:pPr>
+              <a:defRPr sz="2400"/>
+            </a:pPr>
+            <a:r>
+              <a:t>e for input/output optimization.</a:t>
+            </a:r>
+            <a:br/>
+            <a:br/>
+            <a:br/>
+            <a:r>
+              <a:t>**SESSION 2: Sorting Techniques**</a:t>
+            </a:r>
+            <a:br/>
+            <a:br/>
+            <a:r>
+              <a:t>* **Lets Consider some weird country (LVL 3):**  This is a complex graph problem. The code implements DFS to check connectivity based on edge types (1, 2, or 3).  It counts connected components and calculates the minimum edges to </a:t>
+            </a:r>
+          </a:p>
         </p:txBody>
       </p:sp>
     </p:spTree>
